--- a/week_7/7.3 Object Oriented Programming.pptx
+++ b/week_7/7.3 Object Oriented Programming.pptx
@@ -293,7 +293,7 @@
           <a:p>
             <a:fld id="{08D88843-13F5-DF43-96AC-37A016C9EE1C}" type="datetimeFigureOut">
               <a:rPr lang="en-US" smtClean="0"/>
-              <a:t>9/27/15</a:t>
+              <a:t>9/28/15</a:t>
             </a:fld>
             <a:endParaRPr lang="en-US"/>
           </a:p>
@@ -463,7 +463,7 @@
           <a:p>
             <a:fld id="{08D88843-13F5-DF43-96AC-37A016C9EE1C}" type="datetimeFigureOut">
               <a:rPr lang="en-US" smtClean="0"/>
-              <a:t>9/27/15</a:t>
+              <a:t>9/28/15</a:t>
             </a:fld>
             <a:endParaRPr lang="en-US"/>
           </a:p>
@@ -643,7 +643,7 @@
           <a:p>
             <a:fld id="{08D88843-13F5-DF43-96AC-37A016C9EE1C}" type="datetimeFigureOut">
               <a:rPr lang="en-US" smtClean="0"/>
-              <a:t>9/27/15</a:t>
+              <a:t>9/28/15</a:t>
             </a:fld>
             <a:endParaRPr lang="en-US"/>
           </a:p>
@@ -813,7 +813,7 @@
           <a:p>
             <a:fld id="{08D88843-13F5-DF43-96AC-37A016C9EE1C}" type="datetimeFigureOut">
               <a:rPr lang="en-US" smtClean="0"/>
-              <a:t>9/27/15</a:t>
+              <a:t>9/28/15</a:t>
             </a:fld>
             <a:endParaRPr lang="en-US"/>
           </a:p>
@@ -1059,7 +1059,7 @@
           <a:p>
             <a:fld id="{08D88843-13F5-DF43-96AC-37A016C9EE1C}" type="datetimeFigureOut">
               <a:rPr lang="en-US" smtClean="0"/>
-              <a:t>9/27/15</a:t>
+              <a:t>9/28/15</a:t>
             </a:fld>
             <a:endParaRPr lang="en-US"/>
           </a:p>
@@ -1347,7 +1347,7 @@
           <a:p>
             <a:fld id="{08D88843-13F5-DF43-96AC-37A016C9EE1C}" type="datetimeFigureOut">
               <a:rPr lang="en-US" smtClean="0"/>
-              <a:t>9/27/15</a:t>
+              <a:t>9/28/15</a:t>
             </a:fld>
             <a:endParaRPr lang="en-US"/>
           </a:p>
@@ -1769,7 +1769,7 @@
           <a:p>
             <a:fld id="{08D88843-13F5-DF43-96AC-37A016C9EE1C}" type="datetimeFigureOut">
               <a:rPr lang="en-US" smtClean="0"/>
-              <a:t>9/27/15</a:t>
+              <a:t>9/28/15</a:t>
             </a:fld>
             <a:endParaRPr lang="en-US"/>
           </a:p>
@@ -1887,7 +1887,7 @@
           <a:p>
             <a:fld id="{08D88843-13F5-DF43-96AC-37A016C9EE1C}" type="datetimeFigureOut">
               <a:rPr lang="en-US" smtClean="0"/>
-              <a:t>9/27/15</a:t>
+              <a:t>9/28/15</a:t>
             </a:fld>
             <a:endParaRPr lang="en-US"/>
           </a:p>
@@ -1982,7 +1982,7 @@
           <a:p>
             <a:fld id="{08D88843-13F5-DF43-96AC-37A016C9EE1C}" type="datetimeFigureOut">
               <a:rPr lang="en-US" smtClean="0"/>
-              <a:t>9/27/15</a:t>
+              <a:t>9/28/15</a:t>
             </a:fld>
             <a:endParaRPr lang="en-US"/>
           </a:p>
@@ -2259,7 +2259,7 @@
           <a:p>
             <a:fld id="{08D88843-13F5-DF43-96AC-37A016C9EE1C}" type="datetimeFigureOut">
               <a:rPr lang="en-US" smtClean="0"/>
-              <a:t>9/27/15</a:t>
+              <a:t>9/28/15</a:t>
             </a:fld>
             <a:endParaRPr lang="en-US"/>
           </a:p>
@@ -2512,7 +2512,7 @@
           <a:p>
             <a:fld id="{08D88843-13F5-DF43-96AC-37A016C9EE1C}" type="datetimeFigureOut">
               <a:rPr lang="en-US" smtClean="0"/>
-              <a:t>9/27/15</a:t>
+              <a:t>9/28/15</a:t>
             </a:fld>
             <a:endParaRPr lang="en-US"/>
           </a:p>
@@ -2725,7 +2725,7 @@
           <a:p>
             <a:fld id="{08D88843-13F5-DF43-96AC-37A016C9EE1C}" type="datetimeFigureOut">
               <a:rPr lang="en-US" smtClean="0"/>
-              <a:t>9/27/15</a:t>
+              <a:t>9/28/15</a:t>
             </a:fld>
             <a:endParaRPr lang="en-US"/>
           </a:p>
@@ -3229,18 +3229,26 @@
           <a:p>
             <a:r>
               <a:rPr lang="en-US" dirty="0" smtClean="0"/>
-              <a:t>A focus on objects instead of tasks.  All the tasks that have to be done in a program are encoded in the behavior of objects</a:t>
-            </a:r>
+              <a:t>A focus on objects instead of tasks.  All the tasks that have to be done in a program are encoded in the behavior of objects.</a:t>
+            </a:r>
+          </a:p>
+          <a:p>
+            <a:pPr lvl="1"/>
             <a:r>
               <a:rPr lang="en-US" dirty="0" smtClean="0"/>
-              <a:t>.</a:t>
-            </a:r>
-          </a:p>
-          <a:p>
-            <a:pPr lvl="1"/>
+              <a:t>This means that instead of </a:t>
+            </a:r>
+            <a:r>
+              <a:rPr lang="en-US" smtClean="0"/>
+              <a:t>a </a:t>
+            </a:r>
+            <a:r>
+              <a:rPr lang="en-US" smtClean="0"/>
+              <a:t>function to </a:t>
+            </a:r>
             <a:r>
               <a:rPr lang="en-US" dirty="0" smtClean="0"/>
-              <a:t>This means that instead of a method to scramble text, start thinking about a text scrambler class.  What attributes would make sense for this class?  How should it interact with other objects in your program?</a:t>
+              <a:t>scramble text, start thinking about a text scrambler class.  What attributes would make sense for this class?  How should it interact with other objects in your program?</a:t>
             </a:r>
           </a:p>
           <a:p>
@@ -3333,29 +3341,18 @@
               <a:rPr lang="en-US" dirty="0" smtClean="0"/>
               <a:t>Encapsulation – we break a problem down into different layers.  There can be classes that do low level tasks and present a simple abstraction to other classes.  Other classes can relate to high level tasks and use the functionality in lower level classes.</a:t>
             </a:r>
-            <a:endParaRPr lang="en-US" dirty="0" smtClean="0"/>
           </a:p>
           <a:p>
             <a:r>
               <a:rPr lang="en-US" dirty="0" smtClean="0"/>
-              <a:t>Modularity – we can </a:t>
-            </a:r>
-            <a:r>
-              <a:rPr lang="en-US" dirty="0" smtClean="0"/>
-              <a:t>easily </a:t>
-            </a:r>
-            <a:r>
-              <a:rPr lang="en-US" dirty="0" smtClean="0"/>
-              <a:t>switch out one class for another to introduce different functionality and evolve a program. </a:t>
-            </a:r>
-            <a:endParaRPr lang="en-US" dirty="0" smtClean="0"/>
+              <a:t>Modularity – we can easily switch out one class for another to introduce different functionality and evolve a program. </a:t>
+            </a:r>
           </a:p>
           <a:p>
             <a:r>
               <a:rPr lang="en-US" dirty="0" smtClean="0"/>
               <a:t>Inheritance – classes can take on the attributes of parent classes.  We can easily organize related classes and understand their functionality.</a:t>
             </a:r>
-            <a:endParaRPr lang="en-US" dirty="0" smtClean="0"/>
           </a:p>
           <a:p>
             <a:r>
